--- a/Documentation/ArchitectureAndPrototype/ArchitecureLayer.pptx
+++ b/Documentation/ArchitectureAndPrototype/ArchitecureLayer.pptx
@@ -289,6 +289,7 @@
           <a:p>
             <a:fld id="{9A838040-AC32-4A5D-A7CA-363C2A8D9246}" type="datetimeFigureOut">
               <a:rPr lang="ar-EG" smtClean="0"/>
+              <a:pPr/>
               <a:t>10/08/1434</a:t>
             </a:fld>
             <a:endParaRPr lang="ar-EG"/>
@@ -331,6 +332,7 @@
           <a:p>
             <a:fld id="{B86E2722-0F8B-48E2-8565-518E837919E0}" type="slidenum">
               <a:rPr lang="ar-EG" smtClean="0"/>
+              <a:pPr/>
               <a:t>‹#›</a:t>
             </a:fld>
             <a:endParaRPr lang="ar-EG"/>
@@ -454,6 +456,7 @@
           <a:p>
             <a:fld id="{9A838040-AC32-4A5D-A7CA-363C2A8D9246}" type="datetimeFigureOut">
               <a:rPr lang="ar-EG" smtClean="0"/>
+              <a:pPr/>
               <a:t>10/08/1434</a:t>
             </a:fld>
             <a:endParaRPr lang="ar-EG"/>
@@ -496,6 +499,7 @@
           <a:p>
             <a:fld id="{B86E2722-0F8B-48E2-8565-518E837919E0}" type="slidenum">
               <a:rPr lang="ar-EG" smtClean="0"/>
+              <a:pPr/>
               <a:t>‹#›</a:t>
             </a:fld>
             <a:endParaRPr lang="ar-EG"/>
@@ -629,6 +633,7 @@
           <a:p>
             <a:fld id="{9A838040-AC32-4A5D-A7CA-363C2A8D9246}" type="datetimeFigureOut">
               <a:rPr lang="ar-EG" smtClean="0"/>
+              <a:pPr/>
               <a:t>10/08/1434</a:t>
             </a:fld>
             <a:endParaRPr lang="ar-EG"/>
@@ -671,6 +676,7 @@
           <a:p>
             <a:fld id="{B86E2722-0F8B-48E2-8565-518E837919E0}" type="slidenum">
               <a:rPr lang="ar-EG" smtClean="0"/>
+              <a:pPr/>
               <a:t>‹#›</a:t>
             </a:fld>
             <a:endParaRPr lang="ar-EG"/>
@@ -794,6 +800,7 @@
           <a:p>
             <a:fld id="{9A838040-AC32-4A5D-A7CA-363C2A8D9246}" type="datetimeFigureOut">
               <a:rPr lang="ar-EG" smtClean="0"/>
+              <a:pPr/>
               <a:t>10/08/1434</a:t>
             </a:fld>
             <a:endParaRPr lang="ar-EG"/>
@@ -836,6 +843,7 @@
           <a:p>
             <a:fld id="{B86E2722-0F8B-48E2-8565-518E837919E0}" type="slidenum">
               <a:rPr lang="ar-EG" smtClean="0"/>
+              <a:pPr/>
               <a:t>‹#›</a:t>
             </a:fld>
             <a:endParaRPr lang="ar-EG"/>
@@ -1035,6 +1043,7 @@
           <a:p>
             <a:fld id="{9A838040-AC32-4A5D-A7CA-363C2A8D9246}" type="datetimeFigureOut">
               <a:rPr lang="ar-EG" smtClean="0"/>
+              <a:pPr/>
               <a:t>10/08/1434</a:t>
             </a:fld>
             <a:endParaRPr lang="ar-EG"/>
@@ -1077,6 +1086,7 @@
           <a:p>
             <a:fld id="{B86E2722-0F8B-48E2-8565-518E837919E0}" type="slidenum">
               <a:rPr lang="ar-EG" smtClean="0"/>
+              <a:pPr/>
               <a:t>‹#›</a:t>
             </a:fld>
             <a:endParaRPr lang="ar-EG"/>
@@ -1318,6 +1328,7 @@
           <a:p>
             <a:fld id="{9A838040-AC32-4A5D-A7CA-363C2A8D9246}" type="datetimeFigureOut">
               <a:rPr lang="ar-EG" smtClean="0"/>
+              <a:pPr/>
               <a:t>10/08/1434</a:t>
             </a:fld>
             <a:endParaRPr lang="ar-EG"/>
@@ -1360,6 +1371,7 @@
           <a:p>
             <a:fld id="{B86E2722-0F8B-48E2-8565-518E837919E0}" type="slidenum">
               <a:rPr lang="ar-EG" smtClean="0"/>
+              <a:pPr/>
               <a:t>‹#›</a:t>
             </a:fld>
             <a:endParaRPr lang="ar-EG"/>
@@ -1735,6 +1747,7 @@
           <a:p>
             <a:fld id="{9A838040-AC32-4A5D-A7CA-363C2A8D9246}" type="datetimeFigureOut">
               <a:rPr lang="ar-EG" smtClean="0"/>
+              <a:pPr/>
               <a:t>10/08/1434</a:t>
             </a:fld>
             <a:endParaRPr lang="ar-EG"/>
@@ -1777,6 +1790,7 @@
           <a:p>
             <a:fld id="{B86E2722-0F8B-48E2-8565-518E837919E0}" type="slidenum">
               <a:rPr lang="ar-EG" smtClean="0"/>
+              <a:pPr/>
               <a:t>‹#›</a:t>
             </a:fld>
             <a:endParaRPr lang="ar-EG"/>
@@ -1848,6 +1862,7 @@
           <a:p>
             <a:fld id="{9A838040-AC32-4A5D-A7CA-363C2A8D9246}" type="datetimeFigureOut">
               <a:rPr lang="ar-EG" smtClean="0"/>
+              <a:pPr/>
               <a:t>10/08/1434</a:t>
             </a:fld>
             <a:endParaRPr lang="ar-EG"/>
@@ -1890,6 +1905,7 @@
           <a:p>
             <a:fld id="{B86E2722-0F8B-48E2-8565-518E837919E0}" type="slidenum">
               <a:rPr lang="ar-EG" smtClean="0"/>
+              <a:pPr/>
               <a:t>‹#›</a:t>
             </a:fld>
             <a:endParaRPr lang="ar-EG"/>
@@ -1938,6 +1954,7 @@
           <a:p>
             <a:fld id="{9A838040-AC32-4A5D-A7CA-363C2A8D9246}" type="datetimeFigureOut">
               <a:rPr lang="ar-EG" smtClean="0"/>
+              <a:pPr/>
               <a:t>10/08/1434</a:t>
             </a:fld>
             <a:endParaRPr lang="ar-EG"/>
@@ -1980,6 +1997,7 @@
           <a:p>
             <a:fld id="{B86E2722-0F8B-48E2-8565-518E837919E0}" type="slidenum">
               <a:rPr lang="ar-EG" smtClean="0"/>
+              <a:pPr/>
               <a:t>‹#›</a:t>
             </a:fld>
             <a:endParaRPr lang="ar-EG"/>
@@ -2210,6 +2228,7 @@
           <a:p>
             <a:fld id="{9A838040-AC32-4A5D-A7CA-363C2A8D9246}" type="datetimeFigureOut">
               <a:rPr lang="ar-EG" smtClean="0"/>
+              <a:pPr/>
               <a:t>10/08/1434</a:t>
             </a:fld>
             <a:endParaRPr lang="ar-EG"/>
@@ -2252,6 +2271,7 @@
           <a:p>
             <a:fld id="{B86E2722-0F8B-48E2-8565-518E837919E0}" type="slidenum">
               <a:rPr lang="ar-EG" smtClean="0"/>
+              <a:pPr/>
               <a:t>‹#›</a:t>
             </a:fld>
             <a:endParaRPr lang="ar-EG"/>
@@ -2458,6 +2478,7 @@
           <a:p>
             <a:fld id="{9A838040-AC32-4A5D-A7CA-363C2A8D9246}" type="datetimeFigureOut">
               <a:rPr lang="ar-EG" smtClean="0"/>
+              <a:pPr/>
               <a:t>10/08/1434</a:t>
             </a:fld>
             <a:endParaRPr lang="ar-EG"/>
@@ -2500,6 +2521,7 @@
           <a:p>
             <a:fld id="{B86E2722-0F8B-48E2-8565-518E837919E0}" type="slidenum">
               <a:rPr lang="ar-EG" smtClean="0"/>
+              <a:pPr/>
               <a:t>‹#›</a:t>
             </a:fld>
             <a:endParaRPr lang="ar-EG"/>
@@ -2666,6 +2688,7 @@
           <a:p>
             <a:fld id="{9A838040-AC32-4A5D-A7CA-363C2A8D9246}" type="datetimeFigureOut">
               <a:rPr lang="ar-EG" smtClean="0"/>
+              <a:pPr/>
               <a:t>10/08/1434</a:t>
             </a:fld>
             <a:endParaRPr lang="ar-EG"/>
@@ -2744,6 +2767,7 @@
           <a:p>
             <a:fld id="{B86E2722-0F8B-48E2-8565-518E837919E0}" type="slidenum">
               <a:rPr lang="ar-EG" smtClean="0"/>
+              <a:pPr/>
               <a:t>‹#›</a:t>
             </a:fld>
             <a:endParaRPr lang="ar-EG"/>
@@ -3238,8 +3262,8 @@
         </p:nvSpPr>
         <p:spPr>
           <a:xfrm>
-            <a:off x="5943600" y="2971800"/>
-            <a:ext cx="1066800" cy="2590800"/>
+            <a:off x="5943600" y="3124200"/>
+            <a:ext cx="1066800" cy="2209800"/>
           </a:xfrm>
           <a:prstGeom prst="rect">
             <a:avLst/>
@@ -3271,7 +3295,7 @@
             <a:pPr algn="ctr"/>
             <a:r>
               <a:rPr lang="en-US" sz="2400" b="1" dirty="0" smtClean="0"/>
-              <a:t>SPI</a:t>
+              <a:t>Timer</a:t>
             </a:r>
             <a:endParaRPr lang="ar-EG" sz="2400" b="1" dirty="0"/>
           </a:p>
@@ -3285,8 +3309,8 @@
         </p:nvSpPr>
         <p:spPr>
           <a:xfrm>
-            <a:off x="7086600" y="2971800"/>
-            <a:ext cx="1066800" cy="2590800"/>
+            <a:off x="7086600" y="3124200"/>
+            <a:ext cx="1066800" cy="2209800"/>
           </a:xfrm>
           <a:prstGeom prst="rect">
             <a:avLst/>
@@ -3318,7 +3342,7 @@
             <a:pPr algn="ctr"/>
             <a:r>
               <a:rPr lang="en-US" sz="2400" b="1" dirty="0" smtClean="0"/>
-              <a:t>Timer</a:t>
+              <a:t>SPI</a:t>
             </a:r>
             <a:endParaRPr lang="ar-EG" sz="2400" b="1" dirty="0"/>
           </a:p>
@@ -3379,7 +3403,7 @@
         </p:nvSpPr>
         <p:spPr>
           <a:xfrm>
-            <a:off x="2209800" y="3124200"/>
+            <a:off x="4724400" y="3124200"/>
             <a:ext cx="838200" cy="990600"/>
           </a:xfrm>
           <a:prstGeom prst="rect">
@@ -3426,7 +3450,7 @@
         </p:nvSpPr>
         <p:spPr>
           <a:xfrm>
-            <a:off x="3124200" y="3124200"/>
+            <a:off x="2209800" y="3124200"/>
             <a:ext cx="1066800" cy="990600"/>
           </a:xfrm>
           <a:prstGeom prst="rect">
@@ -3473,7 +3497,7 @@
         </p:nvSpPr>
         <p:spPr>
           <a:xfrm>
-            <a:off x="4267200" y="3124200"/>
+            <a:off x="3352800" y="3124200"/>
             <a:ext cx="1295400" cy="990600"/>
           </a:xfrm>
           <a:prstGeom prst="rect">
@@ -3645,6 +3669,469 @@
           </a:p>
         </p:txBody>
       </p:sp>
+      <p:sp>
+        <p:nvSpPr>
+          <p:cNvPr id="21" name="Rectangle 20"/>
+          <p:cNvSpPr/>
+          <p:nvPr/>
+        </p:nvSpPr>
+        <p:spPr>
+          <a:xfrm>
+            <a:off x="4724400" y="1447800"/>
+            <a:ext cx="3429000" cy="990600"/>
+          </a:xfrm>
+          <a:prstGeom prst="rect">
+            <a:avLst/>
+          </a:prstGeom>
+          <a:ln w="28575">
+            <a:solidFill>
+              <a:schemeClr val="tx1"/>
+            </a:solidFill>
+          </a:ln>
+        </p:spPr>
+        <p:style>
+          <a:lnRef idx="2">
+            <a:schemeClr val="accent6"/>
+          </a:lnRef>
+          <a:fillRef idx="1">
+            <a:schemeClr val="lt1"/>
+          </a:fillRef>
+          <a:effectRef idx="0">
+            <a:schemeClr val="accent6"/>
+          </a:effectRef>
+          <a:fontRef idx="minor">
+            <a:schemeClr val="dk1"/>
+          </a:fontRef>
+        </p:style>
+        <p:txBody>
+          <a:bodyPr rtlCol="1" anchor="ctr"/>
+          <a:lstStyle/>
+          <a:p>
+            <a:pPr algn="ctr"/>
+            <a:r>
+              <a:rPr lang="en-US" sz="2400" b="1" dirty="0" smtClean="0"/>
+              <a:t>Door</a:t>
+            </a:r>
+            <a:endParaRPr lang="ar-EG" sz="2400" b="1" dirty="0"/>
+          </a:p>
+        </p:txBody>
+      </p:sp>
+      <p:sp>
+        <p:nvSpPr>
+          <p:cNvPr id="22" name="Rectangle 21"/>
+          <p:cNvSpPr/>
+          <p:nvPr/>
+        </p:nvSpPr>
+        <p:spPr>
+          <a:xfrm>
+            <a:off x="1219200" y="1447800"/>
+            <a:ext cx="3429000" cy="990600"/>
+          </a:xfrm>
+          <a:prstGeom prst="rect">
+            <a:avLst/>
+          </a:prstGeom>
+          <a:ln w="28575">
+            <a:solidFill>
+              <a:schemeClr val="tx1"/>
+            </a:solidFill>
+          </a:ln>
+        </p:spPr>
+        <p:style>
+          <a:lnRef idx="2">
+            <a:schemeClr val="accent6"/>
+          </a:lnRef>
+          <a:fillRef idx="1">
+            <a:schemeClr val="lt1"/>
+          </a:fillRef>
+          <a:effectRef idx="0">
+            <a:schemeClr val="accent6"/>
+          </a:effectRef>
+          <a:fontRef idx="minor">
+            <a:schemeClr val="dk1"/>
+          </a:fontRef>
+        </p:style>
+        <p:txBody>
+          <a:bodyPr rtlCol="1" anchor="ctr"/>
+          <a:lstStyle/>
+          <a:p>
+            <a:pPr algn="ctr"/>
+            <a:r>
+              <a:rPr lang="en-US" sz="2400" b="1" dirty="0" smtClean="0"/>
+              <a:t>Verification</a:t>
+            </a:r>
+            <a:endParaRPr lang="ar-EG" sz="2400" b="1" dirty="0"/>
+          </a:p>
+        </p:txBody>
+      </p:sp>
+      <p:cxnSp>
+        <p:nvCxnSpPr>
+          <p:cNvPr id="23" name="Straight Connector 22"/>
+          <p:cNvCxnSpPr/>
+          <p:nvPr/>
+        </p:nvCxnSpPr>
+        <p:spPr>
+          <a:xfrm rot="5400000" flipH="1" flipV="1">
+            <a:off x="3810000" y="4343400"/>
+            <a:ext cx="457200" cy="0"/>
+          </a:xfrm>
+          <a:prstGeom prst="line">
+            <a:avLst/>
+          </a:prstGeom>
+        </p:spPr>
+        <p:style>
+          <a:lnRef idx="2">
+            <a:schemeClr val="dk1"/>
+          </a:lnRef>
+          <a:fillRef idx="0">
+            <a:schemeClr val="dk1"/>
+          </a:fillRef>
+          <a:effectRef idx="1">
+            <a:schemeClr val="dk1"/>
+          </a:effectRef>
+          <a:fontRef idx="minor">
+            <a:schemeClr val="tx1"/>
+          </a:fontRef>
+        </p:style>
+      </p:cxnSp>
+      <p:cxnSp>
+        <p:nvCxnSpPr>
+          <p:cNvPr id="24" name="Straight Connector 23"/>
+          <p:cNvCxnSpPr/>
+          <p:nvPr/>
+        </p:nvCxnSpPr>
+        <p:spPr>
+          <a:xfrm rot="5400000" flipH="1" flipV="1">
+            <a:off x="4648200" y="4343400"/>
+            <a:ext cx="457200" cy="0"/>
+          </a:xfrm>
+          <a:prstGeom prst="line">
+            <a:avLst/>
+          </a:prstGeom>
+        </p:spPr>
+        <p:style>
+          <a:lnRef idx="2">
+            <a:schemeClr val="dk1"/>
+          </a:lnRef>
+          <a:fillRef idx="0">
+            <a:schemeClr val="dk1"/>
+          </a:fillRef>
+          <a:effectRef idx="1">
+            <a:schemeClr val="dk1"/>
+          </a:effectRef>
+          <a:fontRef idx="minor">
+            <a:schemeClr val="tx1"/>
+          </a:fontRef>
+        </p:style>
+      </p:cxnSp>
+      <p:cxnSp>
+        <p:nvCxnSpPr>
+          <p:cNvPr id="25" name="Straight Connector 24"/>
+          <p:cNvCxnSpPr/>
+          <p:nvPr/>
+        </p:nvCxnSpPr>
+        <p:spPr>
+          <a:xfrm rot="5400000" flipH="1" flipV="1">
+            <a:off x="2514600" y="4343400"/>
+            <a:ext cx="457200" cy="0"/>
+          </a:xfrm>
+          <a:prstGeom prst="line">
+            <a:avLst/>
+          </a:prstGeom>
+        </p:spPr>
+        <p:style>
+          <a:lnRef idx="2">
+            <a:schemeClr val="dk1"/>
+          </a:lnRef>
+          <a:fillRef idx="0">
+            <a:schemeClr val="dk1"/>
+          </a:fillRef>
+          <a:effectRef idx="1">
+            <a:schemeClr val="dk1"/>
+          </a:effectRef>
+          <a:fontRef idx="minor">
+            <a:schemeClr val="tx1"/>
+          </a:fontRef>
+        </p:style>
+      </p:cxnSp>
+      <p:cxnSp>
+        <p:nvCxnSpPr>
+          <p:cNvPr id="26" name="Straight Connector 25"/>
+          <p:cNvCxnSpPr/>
+          <p:nvPr/>
+        </p:nvCxnSpPr>
+        <p:spPr>
+          <a:xfrm rot="5400000" flipH="1" flipV="1">
+            <a:off x="1600200" y="4343400"/>
+            <a:ext cx="457200" cy="0"/>
+          </a:xfrm>
+          <a:prstGeom prst="line">
+            <a:avLst/>
+          </a:prstGeom>
+        </p:spPr>
+        <p:style>
+          <a:lnRef idx="2">
+            <a:schemeClr val="dk1"/>
+          </a:lnRef>
+          <a:fillRef idx="0">
+            <a:schemeClr val="dk1"/>
+          </a:fillRef>
+          <a:effectRef idx="1">
+            <a:schemeClr val="dk1"/>
+          </a:effectRef>
+          <a:fontRef idx="minor">
+            <a:schemeClr val="tx1"/>
+          </a:fontRef>
+        </p:style>
+      </p:cxnSp>
+      <p:cxnSp>
+        <p:nvCxnSpPr>
+          <p:cNvPr id="28" name="Shape 27"/>
+          <p:cNvCxnSpPr>
+            <a:stCxn id="12" idx="2"/>
+          </p:cNvCxnSpPr>
+          <p:nvPr/>
+        </p:nvCxnSpPr>
+        <p:spPr>
+          <a:xfrm rot="5400000">
+            <a:off x="6362700" y="4229100"/>
+            <a:ext cx="152400" cy="2362200"/>
+          </a:xfrm>
+          <a:prstGeom prst="bentConnector2">
+            <a:avLst/>
+          </a:prstGeom>
+        </p:spPr>
+        <p:style>
+          <a:lnRef idx="2">
+            <a:schemeClr val="dk1"/>
+          </a:lnRef>
+          <a:fillRef idx="0">
+            <a:schemeClr val="dk1"/>
+          </a:fillRef>
+          <a:effectRef idx="1">
+            <a:schemeClr val="dk1"/>
+          </a:effectRef>
+          <a:fontRef idx="minor">
+            <a:schemeClr val="tx1"/>
+          </a:fontRef>
+        </p:style>
+      </p:cxnSp>
+      <p:cxnSp>
+        <p:nvCxnSpPr>
+          <p:cNvPr id="29" name="Straight Connector 28"/>
+          <p:cNvCxnSpPr>
+            <a:endCxn id="10" idx="2"/>
+          </p:cNvCxnSpPr>
+          <p:nvPr/>
+        </p:nvCxnSpPr>
+        <p:spPr>
+          <a:xfrm rot="5400000" flipH="1" flipV="1">
+            <a:off x="6400800" y="5410200"/>
+            <a:ext cx="152400" cy="0"/>
+          </a:xfrm>
+          <a:prstGeom prst="line">
+            <a:avLst/>
+          </a:prstGeom>
+        </p:spPr>
+        <p:style>
+          <a:lnRef idx="2">
+            <a:schemeClr val="dk1"/>
+          </a:lnRef>
+          <a:fillRef idx="0">
+            <a:schemeClr val="dk1"/>
+          </a:fillRef>
+          <a:effectRef idx="1">
+            <a:schemeClr val="dk1"/>
+          </a:effectRef>
+          <a:fontRef idx="minor">
+            <a:schemeClr val="tx1"/>
+          </a:fontRef>
+        </p:style>
+      </p:cxnSp>
+      <p:cxnSp>
+        <p:nvCxnSpPr>
+          <p:cNvPr id="31" name="Straight Connector 30"/>
+          <p:cNvCxnSpPr/>
+          <p:nvPr/>
+        </p:nvCxnSpPr>
+        <p:spPr>
+          <a:xfrm rot="5400000" flipH="1" flipV="1">
+            <a:off x="5067300" y="2781300"/>
+            <a:ext cx="685800" cy="0"/>
+          </a:xfrm>
+          <a:prstGeom prst="line">
+            <a:avLst/>
+          </a:prstGeom>
+        </p:spPr>
+        <p:style>
+          <a:lnRef idx="2">
+            <a:schemeClr val="dk1"/>
+          </a:lnRef>
+          <a:fillRef idx="0">
+            <a:schemeClr val="dk1"/>
+          </a:fillRef>
+          <a:effectRef idx="1">
+            <a:schemeClr val="dk1"/>
+          </a:effectRef>
+          <a:fontRef idx="minor">
+            <a:schemeClr val="tx1"/>
+          </a:fontRef>
+        </p:style>
+      </p:cxnSp>
+      <p:cxnSp>
+        <p:nvCxnSpPr>
+          <p:cNvPr id="33" name="Straight Connector 32"/>
+          <p:cNvCxnSpPr/>
+          <p:nvPr/>
+        </p:nvCxnSpPr>
+        <p:spPr>
+          <a:xfrm rot="5400000" flipH="1" flipV="1">
+            <a:off x="5981700" y="2781300"/>
+            <a:ext cx="685800" cy="0"/>
+          </a:xfrm>
+          <a:prstGeom prst="line">
+            <a:avLst/>
+          </a:prstGeom>
+        </p:spPr>
+        <p:style>
+          <a:lnRef idx="2">
+            <a:schemeClr val="dk1"/>
+          </a:lnRef>
+          <a:fillRef idx="0">
+            <a:schemeClr val="dk1"/>
+          </a:fillRef>
+          <a:effectRef idx="1">
+            <a:schemeClr val="dk1"/>
+          </a:effectRef>
+          <a:fontRef idx="minor">
+            <a:schemeClr val="tx1"/>
+          </a:fontRef>
+        </p:style>
+      </p:cxnSp>
+      <p:cxnSp>
+        <p:nvCxnSpPr>
+          <p:cNvPr id="35" name="Straight Connector 34"/>
+          <p:cNvCxnSpPr/>
+          <p:nvPr/>
+        </p:nvCxnSpPr>
+        <p:spPr>
+          <a:xfrm rot="5400000" flipH="1" flipV="1">
+            <a:off x="3390899" y="2781300"/>
+            <a:ext cx="685800" cy="0"/>
+          </a:xfrm>
+          <a:prstGeom prst="line">
+            <a:avLst/>
+          </a:prstGeom>
+        </p:spPr>
+        <p:style>
+          <a:lnRef idx="2">
+            <a:schemeClr val="dk1"/>
+          </a:lnRef>
+          <a:fillRef idx="0">
+            <a:schemeClr val="dk1"/>
+          </a:fillRef>
+          <a:effectRef idx="1">
+            <a:schemeClr val="dk1"/>
+          </a:effectRef>
+          <a:fontRef idx="minor">
+            <a:schemeClr val="tx1"/>
+          </a:fontRef>
+        </p:style>
+      </p:cxnSp>
+      <p:cxnSp>
+        <p:nvCxnSpPr>
+          <p:cNvPr id="36" name="Straight Connector 35"/>
+          <p:cNvCxnSpPr/>
+          <p:nvPr/>
+        </p:nvCxnSpPr>
+        <p:spPr>
+          <a:xfrm rot="5400000" flipH="1" flipV="1">
+            <a:off x="2324100" y="2781300"/>
+            <a:ext cx="685800" cy="0"/>
+          </a:xfrm>
+          <a:prstGeom prst="line">
+            <a:avLst/>
+          </a:prstGeom>
+        </p:spPr>
+        <p:style>
+          <a:lnRef idx="2">
+            <a:schemeClr val="dk1"/>
+          </a:lnRef>
+          <a:fillRef idx="0">
+            <a:schemeClr val="dk1"/>
+          </a:fillRef>
+          <a:effectRef idx="1">
+            <a:schemeClr val="dk1"/>
+          </a:effectRef>
+          <a:fontRef idx="minor">
+            <a:schemeClr val="tx1"/>
+          </a:fontRef>
+        </p:style>
+      </p:cxnSp>
+      <p:cxnSp>
+        <p:nvCxnSpPr>
+          <p:cNvPr id="37" name="Straight Connector 36"/>
+          <p:cNvCxnSpPr/>
+          <p:nvPr/>
+        </p:nvCxnSpPr>
+        <p:spPr>
+          <a:xfrm rot="5400000" flipH="1" flipV="1">
+            <a:off x="1638300" y="2781300"/>
+            <a:ext cx="685800" cy="0"/>
+          </a:xfrm>
+          <a:prstGeom prst="line">
+            <a:avLst/>
+          </a:prstGeom>
+        </p:spPr>
+        <p:style>
+          <a:lnRef idx="2">
+            <a:schemeClr val="dk1"/>
+          </a:lnRef>
+          <a:fillRef idx="0">
+            <a:schemeClr val="dk1"/>
+          </a:fillRef>
+          <a:effectRef idx="1">
+            <a:schemeClr val="dk1"/>
+          </a:effectRef>
+          <a:fontRef idx="minor">
+            <a:schemeClr val="tx1"/>
+          </a:fontRef>
+        </p:style>
+      </p:cxnSp>
+      <p:cxnSp>
+        <p:nvCxnSpPr>
+          <p:cNvPr id="38" name="Shape 37"/>
+          <p:cNvCxnSpPr>
+            <a:stCxn id="12" idx="0"/>
+            <a:endCxn id="22" idx="2"/>
+          </p:cNvCxnSpPr>
+          <p:nvPr/>
+        </p:nvCxnSpPr>
+        <p:spPr>
+          <a:xfrm rot="16200000" flipV="1">
+            <a:off x="4933950" y="438150"/>
+            <a:ext cx="685800" cy="4686300"/>
+          </a:xfrm>
+          <a:prstGeom prst="bentConnector3">
+            <a:avLst>
+              <a:gd name="adj1" fmla="val 28723"/>
+            </a:avLst>
+          </a:prstGeom>
+        </p:spPr>
+        <p:style>
+          <a:lnRef idx="2">
+            <a:schemeClr val="dk1"/>
+          </a:lnRef>
+          <a:fillRef idx="0">
+            <a:schemeClr val="dk1"/>
+          </a:fillRef>
+          <a:effectRef idx="1">
+            <a:schemeClr val="dk1"/>
+          </a:effectRef>
+          <a:fontRef idx="minor">
+            <a:schemeClr val="tx1"/>
+          </a:fontRef>
+        </p:style>
+      </p:cxnSp>
     </p:spTree>
   </p:cSld>
   <p:clrMapOvr>
@@ -3825,8 +4312,8 @@
         </p:nvSpPr>
         <p:spPr>
           <a:xfrm>
-            <a:off x="1219200" y="4572000"/>
-            <a:ext cx="1600200" cy="990600"/>
+            <a:off x="1143000" y="4572000"/>
+            <a:ext cx="1676400" cy="990600"/>
           </a:xfrm>
           <a:prstGeom prst="rect">
             <a:avLst/>
@@ -3858,17 +4345,9 @@
             <a:pPr algn="ctr"/>
             <a:r>
               <a:rPr lang="en-US" sz="2400" b="1" dirty="0" smtClean="0"/>
-              <a:t>I</a:t>
-            </a:r>
-            <a:r>
-              <a:rPr lang="en-US" sz="2400" b="1" baseline="30000" dirty="0" smtClean="0"/>
-              <a:t>2</a:t>
-            </a:r>
-            <a:r>
-              <a:rPr lang="en-US" sz="2400" b="1" dirty="0" smtClean="0"/>
-              <a:t>C</a:t>
-            </a:r>
-            <a:endParaRPr lang="ar-EG" sz="2400" b="1" dirty="0"/>
+              <a:t>UART</a:t>
+            </a:r>
+            <a:endParaRPr lang="ar-EG" sz="2400" b="1" dirty="0" smtClean="0"/>
           </a:p>
         </p:txBody>
       </p:sp>
@@ -3913,7 +4392,15 @@
             <a:pPr algn="ctr"/>
             <a:r>
               <a:rPr lang="en-US" sz="2400" b="1" dirty="0" smtClean="0"/>
-              <a:t>UART</a:t>
+              <a:t>I</a:t>
+            </a:r>
+            <a:r>
+              <a:rPr lang="en-US" sz="2400" b="1" baseline="30000" dirty="0" smtClean="0"/>
+              <a:t>2</a:t>
+            </a:r>
+            <a:r>
+              <a:rPr lang="en-US" sz="2400" b="1" dirty="0" smtClean="0"/>
+              <a:t>C</a:t>
             </a:r>
             <a:endParaRPr lang="ar-EG" sz="2400" b="1" dirty="0"/>
           </a:p>
@@ -4007,9 +4494,9 @@
             <a:pPr algn="ctr"/>
             <a:r>
               <a:rPr lang="en-US" sz="2400" b="1" dirty="0" smtClean="0"/>
-              <a:t>EEPROM</a:t>
-            </a:r>
-            <a:endParaRPr lang="ar-EG" sz="2400" b="1" dirty="0"/>
+              <a:t>RS232</a:t>
+            </a:r>
+            <a:endParaRPr lang="ar-EG" sz="2400" b="1" dirty="0" smtClean="0"/>
           </a:p>
         </p:txBody>
       </p:sp>
@@ -4054,7 +4541,7 @@
             <a:pPr algn="ctr"/>
             <a:r>
               <a:rPr lang="en-US" sz="2400" b="1" dirty="0" smtClean="0"/>
-              <a:t>RS232</a:t>
+              <a:t>EEPROM</a:t>
             </a:r>
             <a:endParaRPr lang="ar-EG" sz="2400" b="1" dirty="0"/>
           </a:p>
@@ -4240,6 +4727,346 @@
           </a:p>
         </p:txBody>
       </p:sp>
+      <p:sp>
+        <p:nvSpPr>
+          <p:cNvPr id="22" name="Rectangle 21"/>
+          <p:cNvSpPr/>
+          <p:nvPr/>
+        </p:nvSpPr>
+        <p:spPr>
+          <a:xfrm>
+            <a:off x="1219200" y="1447800"/>
+            <a:ext cx="3657600" cy="990600"/>
+          </a:xfrm>
+          <a:prstGeom prst="rect">
+            <a:avLst/>
+          </a:prstGeom>
+          <a:ln w="28575">
+            <a:solidFill>
+              <a:schemeClr val="tx1"/>
+            </a:solidFill>
+          </a:ln>
+        </p:spPr>
+        <p:style>
+          <a:lnRef idx="2">
+            <a:schemeClr val="accent6"/>
+          </a:lnRef>
+          <a:fillRef idx="1">
+            <a:schemeClr val="lt1"/>
+          </a:fillRef>
+          <a:effectRef idx="0">
+            <a:schemeClr val="accent6"/>
+          </a:effectRef>
+          <a:fontRef idx="minor">
+            <a:schemeClr val="dk1"/>
+          </a:fontRef>
+        </p:style>
+        <p:txBody>
+          <a:bodyPr rtlCol="1" anchor="ctr"/>
+          <a:lstStyle/>
+          <a:p>
+            <a:pPr algn="ctr"/>
+            <a:r>
+              <a:rPr lang="en-US" sz="2400" b="1" dirty="0" smtClean="0"/>
+              <a:t>User Profile</a:t>
+            </a:r>
+            <a:endParaRPr lang="ar-EG" sz="2400" b="1" dirty="0"/>
+          </a:p>
+        </p:txBody>
+      </p:sp>
+      <p:cxnSp>
+        <p:nvCxnSpPr>
+          <p:cNvPr id="24" name="Straight Connector 23"/>
+          <p:cNvCxnSpPr>
+            <a:stCxn id="9" idx="0"/>
+          </p:cNvCxnSpPr>
+          <p:nvPr/>
+        </p:nvCxnSpPr>
+        <p:spPr>
+          <a:xfrm rot="5400000" flipH="1" flipV="1">
+            <a:off x="1752600" y="4343400"/>
+            <a:ext cx="457200" cy="0"/>
+          </a:xfrm>
+          <a:prstGeom prst="line">
+            <a:avLst/>
+          </a:prstGeom>
+        </p:spPr>
+        <p:style>
+          <a:lnRef idx="2">
+            <a:schemeClr val="dk1"/>
+          </a:lnRef>
+          <a:fillRef idx="0">
+            <a:schemeClr val="dk1"/>
+          </a:fillRef>
+          <a:effectRef idx="1">
+            <a:schemeClr val="dk1"/>
+          </a:effectRef>
+          <a:fontRef idx="minor">
+            <a:schemeClr val="tx1"/>
+          </a:fontRef>
+        </p:style>
+      </p:cxnSp>
+      <p:cxnSp>
+        <p:nvCxnSpPr>
+          <p:cNvPr id="29" name="Straight Connector 28"/>
+          <p:cNvCxnSpPr/>
+          <p:nvPr/>
+        </p:nvCxnSpPr>
+        <p:spPr>
+          <a:xfrm rot="5400000" flipH="1" flipV="1">
+            <a:off x="3276600" y="4343400"/>
+            <a:ext cx="457200" cy="0"/>
+          </a:xfrm>
+          <a:prstGeom prst="line">
+            <a:avLst/>
+          </a:prstGeom>
+        </p:spPr>
+        <p:style>
+          <a:lnRef idx="2">
+            <a:schemeClr val="dk1"/>
+          </a:lnRef>
+          <a:fillRef idx="0">
+            <a:schemeClr val="dk1"/>
+          </a:fillRef>
+          <a:effectRef idx="1">
+            <a:schemeClr val="dk1"/>
+          </a:effectRef>
+          <a:fontRef idx="minor">
+            <a:schemeClr val="tx1"/>
+          </a:fontRef>
+        </p:style>
+      </p:cxnSp>
+      <p:cxnSp>
+        <p:nvCxnSpPr>
+          <p:cNvPr id="30" name="Straight Connector 29"/>
+          <p:cNvCxnSpPr/>
+          <p:nvPr/>
+        </p:nvCxnSpPr>
+        <p:spPr>
+          <a:xfrm rot="5400000" flipH="1" flipV="1">
+            <a:off x="4343400" y="4343400"/>
+            <a:ext cx="457200" cy="0"/>
+          </a:xfrm>
+          <a:prstGeom prst="line">
+            <a:avLst/>
+          </a:prstGeom>
+        </p:spPr>
+        <p:style>
+          <a:lnRef idx="2">
+            <a:schemeClr val="dk1"/>
+          </a:lnRef>
+          <a:fillRef idx="0">
+            <a:schemeClr val="dk1"/>
+          </a:fillRef>
+          <a:effectRef idx="1">
+            <a:schemeClr val="dk1"/>
+          </a:effectRef>
+          <a:fontRef idx="minor">
+            <a:schemeClr val="tx1"/>
+          </a:fontRef>
+        </p:style>
+      </p:cxnSp>
+      <p:cxnSp>
+        <p:nvCxnSpPr>
+          <p:cNvPr id="31" name="Straight Connector 30"/>
+          <p:cNvCxnSpPr/>
+          <p:nvPr/>
+        </p:nvCxnSpPr>
+        <p:spPr>
+          <a:xfrm rot="5400000" flipH="1" flipV="1">
+            <a:off x="5334000" y="4343400"/>
+            <a:ext cx="457200" cy="0"/>
+          </a:xfrm>
+          <a:prstGeom prst="line">
+            <a:avLst/>
+          </a:prstGeom>
+        </p:spPr>
+        <p:style>
+          <a:lnRef idx="2">
+            <a:schemeClr val="dk1"/>
+          </a:lnRef>
+          <a:fillRef idx="0">
+            <a:schemeClr val="dk1"/>
+          </a:fillRef>
+          <a:effectRef idx="1">
+            <a:schemeClr val="dk1"/>
+          </a:effectRef>
+          <a:fontRef idx="minor">
+            <a:schemeClr val="tx1"/>
+          </a:fontRef>
+        </p:style>
+      </p:cxnSp>
+      <p:cxnSp>
+        <p:nvCxnSpPr>
+          <p:cNvPr id="32" name="Straight Connector 31"/>
+          <p:cNvCxnSpPr/>
+          <p:nvPr/>
+        </p:nvCxnSpPr>
+        <p:spPr>
+          <a:xfrm rot="5400000" flipH="1" flipV="1">
+            <a:off x="3314700" y="2781300"/>
+            <a:ext cx="685800" cy="0"/>
+          </a:xfrm>
+          <a:prstGeom prst="line">
+            <a:avLst/>
+          </a:prstGeom>
+        </p:spPr>
+        <p:style>
+          <a:lnRef idx="2">
+            <a:schemeClr val="dk1"/>
+          </a:lnRef>
+          <a:fillRef idx="0">
+            <a:schemeClr val="dk1"/>
+          </a:fillRef>
+          <a:effectRef idx="1">
+            <a:schemeClr val="dk1"/>
+          </a:effectRef>
+          <a:fontRef idx="minor">
+            <a:schemeClr val="tx1"/>
+          </a:fontRef>
+        </p:style>
+      </p:cxnSp>
+      <p:cxnSp>
+        <p:nvCxnSpPr>
+          <p:cNvPr id="34" name="Straight Connector 33"/>
+          <p:cNvCxnSpPr/>
+          <p:nvPr/>
+        </p:nvCxnSpPr>
+        <p:spPr>
+          <a:xfrm rot="5400000" flipH="1" flipV="1">
+            <a:off x="4152900" y="2781300"/>
+            <a:ext cx="685800" cy="0"/>
+          </a:xfrm>
+          <a:prstGeom prst="line">
+            <a:avLst/>
+          </a:prstGeom>
+        </p:spPr>
+        <p:style>
+          <a:lnRef idx="2">
+            <a:schemeClr val="dk1"/>
+          </a:lnRef>
+          <a:fillRef idx="0">
+            <a:schemeClr val="dk1"/>
+          </a:fillRef>
+          <a:effectRef idx="1">
+            <a:schemeClr val="dk1"/>
+          </a:effectRef>
+          <a:fontRef idx="minor">
+            <a:schemeClr val="tx1"/>
+          </a:fontRef>
+        </p:style>
+      </p:cxnSp>
+      <p:sp>
+        <p:nvSpPr>
+          <p:cNvPr id="35" name="Rectangle 34"/>
+          <p:cNvSpPr/>
+          <p:nvPr/>
+        </p:nvSpPr>
+        <p:spPr>
+          <a:xfrm>
+            <a:off x="4953000" y="1447800"/>
+            <a:ext cx="3200400" cy="990600"/>
+          </a:xfrm>
+          <a:prstGeom prst="rect">
+            <a:avLst/>
+          </a:prstGeom>
+          <a:ln w="28575">
+            <a:solidFill>
+              <a:schemeClr val="tx1"/>
+            </a:solidFill>
+          </a:ln>
+        </p:spPr>
+        <p:style>
+          <a:lnRef idx="2">
+            <a:schemeClr val="accent6"/>
+          </a:lnRef>
+          <a:fillRef idx="1">
+            <a:schemeClr val="lt1"/>
+          </a:fillRef>
+          <a:effectRef idx="0">
+            <a:schemeClr val="accent6"/>
+          </a:effectRef>
+          <a:fontRef idx="minor">
+            <a:schemeClr val="dk1"/>
+          </a:fontRef>
+        </p:style>
+        <p:txBody>
+          <a:bodyPr rtlCol="1" anchor="ctr"/>
+          <a:lstStyle/>
+          <a:p>
+            <a:pPr algn="ctr"/>
+            <a:r>
+              <a:rPr lang="en-US" sz="2400" b="1" dirty="0" smtClean="0"/>
+              <a:t>Actuator</a:t>
+            </a:r>
+            <a:endParaRPr lang="ar-EG" sz="2400" b="1" dirty="0"/>
+          </a:p>
+        </p:txBody>
+      </p:sp>
+      <p:cxnSp>
+        <p:nvCxnSpPr>
+          <p:cNvPr id="40" name="Elbow Connector 39"/>
+          <p:cNvCxnSpPr>
+            <a:stCxn id="35" idx="2"/>
+          </p:cNvCxnSpPr>
+          <p:nvPr/>
+        </p:nvCxnSpPr>
+        <p:spPr>
+          <a:xfrm rot="16200000" flipH="1">
+            <a:off x="6553200" y="2438400"/>
+            <a:ext cx="533400" cy="533400"/>
+          </a:xfrm>
+          <a:prstGeom prst="bentConnector3">
+            <a:avLst>
+              <a:gd name="adj1" fmla="val 101064"/>
+            </a:avLst>
+          </a:prstGeom>
+        </p:spPr>
+        <p:style>
+          <a:lnRef idx="2">
+            <a:schemeClr val="dk1"/>
+          </a:lnRef>
+          <a:fillRef idx="0">
+            <a:schemeClr val="dk1"/>
+          </a:fillRef>
+          <a:effectRef idx="1">
+            <a:schemeClr val="dk1"/>
+          </a:effectRef>
+          <a:fontRef idx="minor">
+            <a:schemeClr val="tx1"/>
+          </a:fontRef>
+        </p:style>
+      </p:cxnSp>
+      <p:cxnSp>
+        <p:nvCxnSpPr>
+          <p:cNvPr id="48" name="Straight Connector 47"/>
+          <p:cNvCxnSpPr/>
+          <p:nvPr/>
+        </p:nvCxnSpPr>
+        <p:spPr>
+          <a:xfrm rot="5400000" flipH="1" flipV="1">
+            <a:off x="5676900" y="2781300"/>
+            <a:ext cx="685800" cy="0"/>
+          </a:xfrm>
+          <a:prstGeom prst="line">
+            <a:avLst/>
+          </a:prstGeom>
+        </p:spPr>
+        <p:style>
+          <a:lnRef idx="2">
+            <a:schemeClr val="dk1"/>
+          </a:lnRef>
+          <a:fillRef idx="0">
+            <a:schemeClr val="dk1"/>
+          </a:fillRef>
+          <a:effectRef idx="1">
+            <a:schemeClr val="dk1"/>
+          </a:effectRef>
+          <a:fontRef idx="minor">
+            <a:schemeClr val="tx1"/>
+          </a:fontRef>
+        </p:style>
+      </p:cxnSp>
     </p:spTree>
   </p:cSld>
   <p:clrMapOvr>
